--- a/Presentación/Presentación.pptx
+++ b/Presentación/Presentación.pptx
@@ -4714,16 +4714,8 @@
               <a:buChar char="•"/>
             </a:pPr>
             <a:r>
-              <a:rPr lang="es-ES" sz="2000" dirty="0"/>
-              <a:t>Objetivo (facilitar, agilizar la gestión de </a:t>
-            </a:r>
-            <a:r>
-              <a:rPr lang="es-ES" sz="2000" dirty="0" err="1"/>
-              <a:t>libros,usuarios</a:t>
-            </a:r>
-            <a:r>
-              <a:rPr lang="es-ES" sz="2000" dirty="0"/>
-              <a:t>)</a:t>
+              <a:rPr lang="es-ES" sz="2000"/>
+              <a:t>Objetivo </a:t>
             </a:r>
           </a:p>
           <a:p>
@@ -4732,8 +4724,12 @@
               <a:buChar char="•"/>
             </a:pPr>
             <a:r>
+              <a:rPr lang="es-ES" sz="2000"/>
+              <a:t>Funcionamiento</a:t>
+            </a:r>
+            <a:r>
               <a:rPr lang="es-ES" sz="2000" dirty="0"/>
-              <a:t>Funcionamiento	(deducible)</a:t>
+              <a:t>	</a:t>
             </a:r>
           </a:p>
           <a:p>
